--- a/C++11 Slides.pptx
+++ b/C++11 Slides.pptx
@@ -6935,12 +6935,12 @@
           <a:p>
             <a:pPr lvl="0" algn="ctr"/>
             <a:r>
-              <a:rPr lang="en-US" dirty="0" err="1"/>
-              <a:t>lamda</a:t>
+              <a:rPr lang="en-US" dirty="0" smtClean="0"/>
+              <a:t>lambda </a:t>
             </a:r>
             <a:r>
               <a:rPr lang="en-US" dirty="0"/>
-              <a:t> types</a:t>
+              <a:t>types</a:t>
             </a:r>
           </a:p>
         </p:txBody>
@@ -7761,12 +7761,8 @@
           <a:p>
             <a:pPr lvl="0" algn="ctr"/>
             <a:r>
-              <a:rPr lang="en-US" dirty="0" err="1"/>
-              <a:t>lamda</a:t>
-            </a:r>
-            <a:r>
-              <a:rPr lang="en-US" dirty="0"/>
-              <a:t>-friendly </a:t>
+              <a:rPr lang="en-US" dirty="0" smtClean="0"/>
+              <a:t>lambda-friendly </a:t>
             </a:r>
             <a:r>
               <a:rPr lang="en-US" dirty="0" err="1"/>
